--- a/358 - Saviour, I Follow On.pptx
+++ b/358 - Saviour, I Follow On.pptx
@@ -243,7 +243,7 @@
           <a:p>
             <a:fld id="{32F7251A-AE54-443C-B8FE-5F636E835EBF}" type="datetimeFigureOut">
               <a:rPr lang="en-US" smtClean="0"/>
-              <a:t>5/6/2018</a:t>
+              <a:t>8/30/2020</a:t>
             </a:fld>
             <a:endParaRPr lang="en-US"/>
           </a:p>
@@ -411,7 +411,7 @@
           <a:p>
             <a:fld id="{32F7251A-AE54-443C-B8FE-5F636E835EBF}" type="datetimeFigureOut">
               <a:rPr lang="en-US" smtClean="0"/>
-              <a:t>5/6/2018</a:t>
+              <a:t>8/30/2020</a:t>
             </a:fld>
             <a:endParaRPr lang="en-US"/>
           </a:p>
@@ -589,7 +589,7 @@
           <a:p>
             <a:fld id="{32F7251A-AE54-443C-B8FE-5F636E835EBF}" type="datetimeFigureOut">
               <a:rPr lang="en-US" smtClean="0"/>
-              <a:t>5/6/2018</a:t>
+              <a:t>8/30/2020</a:t>
             </a:fld>
             <a:endParaRPr lang="en-US"/>
           </a:p>
@@ -757,7 +757,7 @@
           <a:p>
             <a:fld id="{32F7251A-AE54-443C-B8FE-5F636E835EBF}" type="datetimeFigureOut">
               <a:rPr lang="en-US" smtClean="0"/>
-              <a:t>5/6/2018</a:t>
+              <a:t>8/30/2020</a:t>
             </a:fld>
             <a:endParaRPr lang="en-US"/>
           </a:p>
@@ -1002,7 +1002,7 @@
           <a:p>
             <a:fld id="{32F7251A-AE54-443C-B8FE-5F636E835EBF}" type="datetimeFigureOut">
               <a:rPr lang="en-US" smtClean="0"/>
-              <a:t>5/6/2018</a:t>
+              <a:t>8/30/2020</a:t>
             </a:fld>
             <a:endParaRPr lang="en-US"/>
           </a:p>
@@ -1231,7 +1231,7 @@
           <a:p>
             <a:fld id="{32F7251A-AE54-443C-B8FE-5F636E835EBF}" type="datetimeFigureOut">
               <a:rPr lang="en-US" smtClean="0"/>
-              <a:t>5/6/2018</a:t>
+              <a:t>8/30/2020</a:t>
             </a:fld>
             <a:endParaRPr lang="en-US"/>
           </a:p>
@@ -1595,7 +1595,7 @@
           <a:p>
             <a:fld id="{32F7251A-AE54-443C-B8FE-5F636E835EBF}" type="datetimeFigureOut">
               <a:rPr lang="en-US" smtClean="0"/>
-              <a:t>5/6/2018</a:t>
+              <a:t>8/30/2020</a:t>
             </a:fld>
             <a:endParaRPr lang="en-US"/>
           </a:p>
@@ -1712,7 +1712,7 @@
           <a:p>
             <a:fld id="{32F7251A-AE54-443C-B8FE-5F636E835EBF}" type="datetimeFigureOut">
               <a:rPr lang="en-US" smtClean="0"/>
-              <a:t>5/6/2018</a:t>
+              <a:t>8/30/2020</a:t>
             </a:fld>
             <a:endParaRPr lang="en-US"/>
           </a:p>
@@ -1807,7 +1807,7 @@
           <a:p>
             <a:fld id="{32F7251A-AE54-443C-B8FE-5F636E835EBF}" type="datetimeFigureOut">
               <a:rPr lang="en-US" smtClean="0"/>
-              <a:t>5/6/2018</a:t>
+              <a:t>8/30/2020</a:t>
             </a:fld>
             <a:endParaRPr lang="en-US"/>
           </a:p>
@@ -2082,7 +2082,7 @@
           <a:p>
             <a:fld id="{32F7251A-AE54-443C-B8FE-5F636E835EBF}" type="datetimeFigureOut">
               <a:rPr lang="en-US" smtClean="0"/>
-              <a:t>5/6/2018</a:t>
+              <a:t>8/30/2020</a:t>
             </a:fld>
             <a:endParaRPr lang="en-US"/>
           </a:p>
@@ -2334,7 +2334,7 @@
           <a:p>
             <a:fld id="{32F7251A-AE54-443C-B8FE-5F636E835EBF}" type="datetimeFigureOut">
               <a:rPr lang="en-US" smtClean="0"/>
-              <a:t>5/6/2018</a:t>
+              <a:t>8/30/2020</a:t>
             </a:fld>
             <a:endParaRPr lang="en-US"/>
           </a:p>
@@ -2401,7 +2401,9 @@
     <p:bg>
       <p:bgPr>
         <a:solidFill>
-          <a:srgbClr val="333333"/>
+          <a:schemeClr val="bg1">
+            <a:lumMod val="10000"/>
+          </a:schemeClr>
         </a:solidFill>
         <a:effectLst/>
       </p:bgPr>
@@ -2548,7 +2550,7 @@
           <a:p>
             <a:fld id="{32F7251A-AE54-443C-B8FE-5F636E835EBF}" type="datetimeFigureOut">
               <a:rPr lang="en-US" smtClean="0"/>
-              <a:t>5/6/2018</a:t>
+              <a:t>8/30/2020</a:t>
             </a:fld>
             <a:endParaRPr lang="en-US"/>
           </a:p>
@@ -3018,8 +3020,8 @@
         </p:nvSpPr>
         <p:spPr>
           <a:xfrm>
-            <a:off x="0" y="5804209"/>
-            <a:ext cx="12192000" cy="830997"/>
+            <a:off x="0" y="5927320"/>
+            <a:ext cx="12192000" cy="584775"/>
           </a:xfrm>
           <a:prstGeom prst="rect">
             <a:avLst/>
@@ -3034,26 +3036,32 @@
           <a:p>
             <a:pPr algn="ctr"/>
             <a:r>
-              <a:rPr lang="en-US" sz="4800" dirty="0">
+              <a:rPr lang="en-US" sz="3200" u="sng" dirty="0">
                 <a:solidFill>
                   <a:schemeClr val="bg1"/>
                 </a:solidFill>
+                <a:latin typeface="Assistant SemiBold" panose="00000700000000000000" pitchFamily="2" charset="-79"/>
+                <a:cs typeface="Assistant SemiBold" panose="00000700000000000000" pitchFamily="2" charset="-79"/>
               </a:rPr>
               <a:t>“</a:t>
             </a:r>
             <a:r>
-              <a:rPr lang="en-US" sz="4800" dirty="0" err="1">
+              <a:rPr lang="en-US" sz="3200" u="sng" dirty="0" err="1">
                 <a:solidFill>
                   <a:schemeClr val="bg1"/>
                 </a:solidFill>
+                <a:latin typeface="Assistant SemiBold" panose="00000700000000000000" pitchFamily="2" charset="-79"/>
+                <a:cs typeface="Assistant SemiBold" panose="00000700000000000000" pitchFamily="2" charset="-79"/>
               </a:rPr>
               <a:t>Saviour</a:t>
             </a:r>
             <a:r>
-              <a:rPr lang="en-US" sz="4800" dirty="0">
+              <a:rPr lang="en-US" sz="3200" u="sng" dirty="0">
                 <a:solidFill>
                   <a:schemeClr val="bg1"/>
                 </a:solidFill>
+                <a:latin typeface="Assistant SemiBold" panose="00000700000000000000" pitchFamily="2" charset="-79"/>
+                <a:cs typeface="Assistant SemiBold" panose="00000700000000000000" pitchFamily="2" charset="-79"/>
               </a:rPr>
               <a:t>, I Follow On”</a:t>
             </a:r>
@@ -3068,8 +3076,8 @@
         </p:nvSpPr>
         <p:spPr>
           <a:xfrm>
-            <a:off x="0" y="237302"/>
-            <a:ext cx="12192000" cy="5078313"/>
+            <a:off x="-62753" y="729571"/>
+            <a:ext cx="12192000" cy="3970318"/>
           </a:xfrm>
           <a:prstGeom prst="rect">
             <a:avLst/>
@@ -3084,18 +3092,22 @@
           <a:p>
             <a:pPr algn="ctr"/>
             <a:r>
-              <a:rPr lang="en-US" sz="3600" dirty="0" err="1">
+              <a:rPr lang="en-US" sz="2800" spc="50" dirty="0" err="1">
                 <a:solidFill>
                   <a:schemeClr val="bg1"/>
                 </a:solidFill>
+                <a:latin typeface="Assistant" panose="00000500000000000000" pitchFamily="2" charset="-79"/>
+                <a:cs typeface="Assistant" panose="00000500000000000000" pitchFamily="2" charset="-79"/>
               </a:rPr>
               <a:t>Saviour</a:t>
             </a:r>
             <a:r>
-              <a:rPr lang="en-US" sz="3600" dirty="0">
+              <a:rPr lang="en-US" sz="2800" spc="50" dirty="0">
                 <a:solidFill>
                   <a:schemeClr val="bg1"/>
                 </a:solidFill>
+                <a:latin typeface="Assistant" panose="00000500000000000000" pitchFamily="2" charset="-79"/>
+                <a:cs typeface="Assistant" panose="00000500000000000000" pitchFamily="2" charset="-79"/>
               </a:rPr>
               <a:t>, I follow on,</a:t>
             </a:r>
@@ -3103,10 +3115,12 @@
           <a:p>
             <a:pPr algn="ctr"/>
             <a:r>
-              <a:rPr lang="en-US" sz="3600" dirty="0">
+              <a:rPr lang="en-US" sz="2800" spc="50" dirty="0">
                 <a:solidFill>
                   <a:schemeClr val="bg1"/>
                 </a:solidFill>
+                <a:latin typeface="Assistant" panose="00000500000000000000" pitchFamily="2" charset="-79"/>
+                <a:cs typeface="Assistant" panose="00000500000000000000" pitchFamily="2" charset="-79"/>
               </a:rPr>
               <a:t>Guided by Thee,</a:t>
             </a:r>
@@ -3114,10 +3128,12 @@
           <a:p>
             <a:pPr algn="ctr"/>
             <a:r>
-              <a:rPr lang="en-US" sz="3600" dirty="0">
+              <a:rPr lang="en-US" sz="2800" spc="50" dirty="0">
                 <a:solidFill>
                   <a:schemeClr val="bg1"/>
                 </a:solidFill>
+                <a:latin typeface="Assistant" panose="00000500000000000000" pitchFamily="2" charset="-79"/>
+                <a:cs typeface="Assistant" panose="00000500000000000000" pitchFamily="2" charset="-79"/>
               </a:rPr>
               <a:t>Seeing not yet the hand</a:t>
             </a:r>
@@ -3125,29 +3141,35 @@
           <a:p>
             <a:pPr algn="ctr"/>
             <a:r>
-              <a:rPr lang="en-US" sz="3600" dirty="0">
+              <a:rPr lang="en-US" sz="2800" spc="50" dirty="0">
                 <a:solidFill>
                   <a:schemeClr val="bg1"/>
                 </a:solidFill>
+                <a:latin typeface="Assistant" panose="00000500000000000000" pitchFamily="2" charset="-79"/>
+                <a:cs typeface="Assistant" panose="00000500000000000000" pitchFamily="2" charset="-79"/>
               </a:rPr>
               <a:t>That leadeth me;</a:t>
             </a:r>
           </a:p>
           <a:p>
             <a:pPr algn="ctr"/>
-            <a:endParaRPr lang="en-US" sz="3600" dirty="0">
+            <a:endParaRPr lang="en-US" sz="2800" spc="50" dirty="0">
               <a:solidFill>
                 <a:schemeClr val="bg1"/>
               </a:solidFill>
+              <a:latin typeface="Assistant" panose="00000500000000000000" pitchFamily="2" charset="-79"/>
+              <a:cs typeface="Assistant" panose="00000500000000000000" pitchFamily="2" charset="-79"/>
             </a:endParaRPr>
           </a:p>
           <a:p>
             <a:pPr algn="ctr"/>
             <a:r>
-              <a:rPr lang="en-US" sz="3600" dirty="0">
+              <a:rPr lang="en-US" sz="2800" spc="50" dirty="0">
                 <a:solidFill>
                   <a:schemeClr val="bg1"/>
                 </a:solidFill>
+                <a:latin typeface="Assistant" panose="00000500000000000000" pitchFamily="2" charset="-79"/>
+                <a:cs typeface="Assistant" panose="00000500000000000000" pitchFamily="2" charset="-79"/>
               </a:rPr>
               <a:t>Hushed be my heart, and still,</a:t>
             </a:r>
@@ -3155,10 +3177,12 @@
           <a:p>
             <a:pPr algn="ctr"/>
             <a:r>
-              <a:rPr lang="en-US" sz="3600" dirty="0">
+              <a:rPr lang="en-US" sz="2800" spc="50" dirty="0">
                 <a:solidFill>
                   <a:schemeClr val="bg1"/>
                 </a:solidFill>
+                <a:latin typeface="Assistant" panose="00000500000000000000" pitchFamily="2" charset="-79"/>
+                <a:cs typeface="Assistant" panose="00000500000000000000" pitchFamily="2" charset="-79"/>
               </a:rPr>
               <a:t>Feat I no further ill;</a:t>
             </a:r>
@@ -3166,10 +3190,12 @@
           <a:p>
             <a:pPr algn="ctr"/>
             <a:r>
-              <a:rPr lang="en-US" sz="3600" dirty="0">
+              <a:rPr lang="en-US" sz="2800" spc="50" dirty="0">
                 <a:solidFill>
                   <a:schemeClr val="bg1"/>
                 </a:solidFill>
+                <a:latin typeface="Assistant" panose="00000500000000000000" pitchFamily="2" charset="-79"/>
+                <a:cs typeface="Assistant" panose="00000500000000000000" pitchFamily="2" charset="-79"/>
               </a:rPr>
               <a:t>Only to meet Thy will</a:t>
             </a:r>
@@ -3177,10 +3203,12 @@
           <a:p>
             <a:pPr algn="ctr"/>
             <a:r>
-              <a:rPr lang="en-US" sz="3600" dirty="0">
+              <a:rPr lang="en-US" sz="2800" spc="50" dirty="0">
                 <a:solidFill>
                   <a:schemeClr val="bg1"/>
                 </a:solidFill>
+                <a:latin typeface="Assistant" panose="00000500000000000000" pitchFamily="2" charset="-79"/>
+                <a:cs typeface="Assistant" panose="00000500000000000000" pitchFamily="2" charset="-79"/>
               </a:rPr>
               <a:t>My will shall be.</a:t>
             </a:r>
@@ -3282,8 +3310,8 @@
         </p:nvSpPr>
         <p:spPr>
           <a:xfrm>
-            <a:off x="0" y="5804209"/>
-            <a:ext cx="12192000" cy="830997"/>
+            <a:off x="0" y="5927320"/>
+            <a:ext cx="12192000" cy="584775"/>
           </a:xfrm>
           <a:prstGeom prst="rect">
             <a:avLst/>
@@ -3298,26 +3326,32 @@
           <a:p>
             <a:pPr algn="ctr"/>
             <a:r>
-              <a:rPr lang="en-US" sz="4800" dirty="0">
+              <a:rPr lang="en-US" sz="3200" u="sng" dirty="0">
                 <a:solidFill>
                   <a:schemeClr val="bg1"/>
                 </a:solidFill>
+                <a:latin typeface="Assistant SemiBold" panose="00000700000000000000" pitchFamily="2" charset="-79"/>
+                <a:cs typeface="Assistant SemiBold" panose="00000700000000000000" pitchFamily="2" charset="-79"/>
               </a:rPr>
               <a:t>“</a:t>
             </a:r>
             <a:r>
-              <a:rPr lang="en-US" sz="4800" dirty="0" err="1">
+              <a:rPr lang="en-US" sz="3200" u="sng" dirty="0" err="1">
                 <a:solidFill>
                   <a:schemeClr val="bg1"/>
                 </a:solidFill>
+                <a:latin typeface="Assistant SemiBold" panose="00000700000000000000" pitchFamily="2" charset="-79"/>
+                <a:cs typeface="Assistant SemiBold" panose="00000700000000000000" pitchFamily="2" charset="-79"/>
               </a:rPr>
               <a:t>Saviour</a:t>
             </a:r>
             <a:r>
-              <a:rPr lang="en-US" sz="4800" dirty="0">
+              <a:rPr lang="en-US" sz="3200" u="sng" dirty="0">
                 <a:solidFill>
                   <a:schemeClr val="bg1"/>
                 </a:solidFill>
+                <a:latin typeface="Assistant SemiBold" panose="00000700000000000000" pitchFamily="2" charset="-79"/>
+                <a:cs typeface="Assistant SemiBold" panose="00000700000000000000" pitchFamily="2" charset="-79"/>
               </a:rPr>
               <a:t>, I Follow On”</a:t>
             </a:r>
@@ -3332,8 +3366,8 @@
         </p:nvSpPr>
         <p:spPr>
           <a:xfrm>
-            <a:off x="0" y="237302"/>
-            <a:ext cx="12192000" cy="5078313"/>
+            <a:off x="0" y="729571"/>
+            <a:ext cx="12192000" cy="3970318"/>
           </a:xfrm>
           <a:prstGeom prst="rect">
             <a:avLst/>
@@ -3348,10 +3382,12 @@
           <a:p>
             <a:pPr algn="ctr"/>
             <a:r>
-              <a:rPr lang="en-US" sz="3600" dirty="0">
+              <a:rPr lang="en-US" sz="2800" spc="50" dirty="0">
                 <a:solidFill>
                   <a:schemeClr val="bg1"/>
                 </a:solidFill>
+                <a:latin typeface="Assistant" panose="00000500000000000000" pitchFamily="2" charset="-79"/>
+                <a:cs typeface="Assistant" panose="00000500000000000000" pitchFamily="2" charset="-79"/>
               </a:rPr>
               <a:t>Riven the rock for me,</a:t>
             </a:r>
@@ -3359,10 +3395,12 @@
           <a:p>
             <a:pPr algn="ctr"/>
             <a:r>
-              <a:rPr lang="en-US" sz="3600" dirty="0">
+              <a:rPr lang="en-US" sz="2800" spc="50" dirty="0">
                 <a:solidFill>
                   <a:schemeClr val="bg1"/>
                 </a:solidFill>
+                <a:latin typeface="Assistant" panose="00000500000000000000" pitchFamily="2" charset="-79"/>
+                <a:cs typeface="Assistant" panose="00000500000000000000" pitchFamily="2" charset="-79"/>
               </a:rPr>
               <a:t>Thirst to relieve,</a:t>
             </a:r>
@@ -3370,10 +3408,12 @@
           <a:p>
             <a:pPr algn="ctr"/>
             <a:r>
-              <a:rPr lang="en-US" sz="3600" dirty="0">
+              <a:rPr lang="en-US" sz="2800" spc="50" dirty="0">
                 <a:solidFill>
                   <a:schemeClr val="bg1"/>
                 </a:solidFill>
+                <a:latin typeface="Assistant" panose="00000500000000000000" pitchFamily="2" charset="-79"/>
+                <a:cs typeface="Assistant" panose="00000500000000000000" pitchFamily="2" charset="-79"/>
               </a:rPr>
               <a:t>Manna from heaven falls</a:t>
             </a:r>
@@ -3381,29 +3421,35 @@
           <a:p>
             <a:pPr algn="ctr"/>
             <a:r>
-              <a:rPr lang="en-US" sz="3600" dirty="0">
+              <a:rPr lang="en-US" sz="2800" spc="50" dirty="0">
                 <a:solidFill>
                   <a:schemeClr val="bg1"/>
                 </a:solidFill>
+                <a:latin typeface="Assistant" panose="00000500000000000000" pitchFamily="2" charset="-79"/>
+                <a:cs typeface="Assistant" panose="00000500000000000000" pitchFamily="2" charset="-79"/>
               </a:rPr>
               <a:t>Fresh every eve;</a:t>
             </a:r>
           </a:p>
           <a:p>
             <a:pPr algn="ctr"/>
-            <a:endParaRPr lang="en-US" sz="3600" dirty="0">
+            <a:endParaRPr lang="en-US" sz="2800" spc="50" dirty="0">
               <a:solidFill>
                 <a:schemeClr val="bg1"/>
               </a:solidFill>
+              <a:latin typeface="Assistant" panose="00000500000000000000" pitchFamily="2" charset="-79"/>
+              <a:cs typeface="Assistant" panose="00000500000000000000" pitchFamily="2" charset="-79"/>
             </a:endParaRPr>
           </a:p>
           <a:p>
             <a:pPr algn="ctr"/>
             <a:r>
-              <a:rPr lang="en-US" sz="3600" dirty="0">
+              <a:rPr lang="en-US" sz="2800" spc="50" dirty="0">
                 <a:solidFill>
                   <a:schemeClr val="bg1"/>
                 </a:solidFill>
+                <a:latin typeface="Assistant" panose="00000500000000000000" pitchFamily="2" charset="-79"/>
+                <a:cs typeface="Assistant" panose="00000500000000000000" pitchFamily="2" charset="-79"/>
               </a:rPr>
               <a:t>Never a want severe</a:t>
             </a:r>
@@ -3411,18 +3457,22 @@
           <a:p>
             <a:pPr algn="ctr"/>
             <a:r>
-              <a:rPr lang="en-US" sz="3600" dirty="0" err="1">
+              <a:rPr lang="en-US" sz="2800" spc="50" dirty="0" err="1">
                 <a:solidFill>
                   <a:schemeClr val="bg1"/>
                 </a:solidFill>
+                <a:latin typeface="Assistant" panose="00000500000000000000" pitchFamily="2" charset="-79"/>
+                <a:cs typeface="Assistant" panose="00000500000000000000" pitchFamily="2" charset="-79"/>
               </a:rPr>
               <a:t>Causeth</a:t>
             </a:r>
             <a:r>
-              <a:rPr lang="en-US" sz="3600" dirty="0">
+              <a:rPr lang="en-US" sz="2800" spc="50" dirty="0">
                 <a:solidFill>
                   <a:schemeClr val="bg1"/>
                 </a:solidFill>
+                <a:latin typeface="Assistant" panose="00000500000000000000" pitchFamily="2" charset="-79"/>
+                <a:cs typeface="Assistant" panose="00000500000000000000" pitchFamily="2" charset="-79"/>
               </a:rPr>
               <a:t> my eye a tear,</a:t>
             </a:r>
@@ -3430,10 +3480,12 @@
           <a:p>
             <a:pPr algn="ctr"/>
             <a:r>
-              <a:rPr lang="en-US" sz="3600" dirty="0">
+              <a:rPr lang="en-US" sz="2800" spc="50" dirty="0">
                 <a:solidFill>
                   <a:schemeClr val="bg1"/>
                 </a:solidFill>
+                <a:latin typeface="Assistant" panose="00000500000000000000" pitchFamily="2" charset="-79"/>
+                <a:cs typeface="Assistant" panose="00000500000000000000" pitchFamily="2" charset="-79"/>
               </a:rPr>
               <a:t>But Thou dost whisper near,</a:t>
             </a:r>
@@ -3441,10 +3493,12 @@
           <a:p>
             <a:pPr algn="ctr"/>
             <a:r>
-              <a:rPr lang="en-US" sz="3600" dirty="0">
+              <a:rPr lang="en-US" sz="2800" spc="50" dirty="0">
                 <a:solidFill>
                   <a:schemeClr val="bg1"/>
                 </a:solidFill>
+                <a:latin typeface="Assistant" panose="00000500000000000000" pitchFamily="2" charset="-79"/>
+                <a:cs typeface="Assistant" panose="00000500000000000000" pitchFamily="2" charset="-79"/>
               </a:rPr>
               <a:t>“Only believe.”</a:t>
             </a:r>
@@ -3546,8 +3600,8 @@
         </p:nvSpPr>
         <p:spPr>
           <a:xfrm>
-            <a:off x="0" y="5804209"/>
-            <a:ext cx="12192000" cy="830997"/>
+            <a:off x="0" y="5927320"/>
+            <a:ext cx="12192000" cy="584775"/>
           </a:xfrm>
           <a:prstGeom prst="rect">
             <a:avLst/>
@@ -3562,26 +3616,32 @@
           <a:p>
             <a:pPr algn="ctr"/>
             <a:r>
-              <a:rPr lang="en-US" sz="4800" dirty="0">
+              <a:rPr lang="en-US" sz="3200" u="sng" dirty="0">
                 <a:solidFill>
                   <a:schemeClr val="bg1"/>
                 </a:solidFill>
+                <a:latin typeface="Assistant SemiBold" panose="00000700000000000000" pitchFamily="2" charset="-79"/>
+                <a:cs typeface="Assistant SemiBold" panose="00000700000000000000" pitchFamily="2" charset="-79"/>
               </a:rPr>
               <a:t>“</a:t>
             </a:r>
             <a:r>
-              <a:rPr lang="en-US" sz="4800" dirty="0" err="1">
+              <a:rPr lang="en-US" sz="3200" u="sng" dirty="0" err="1">
                 <a:solidFill>
                   <a:schemeClr val="bg1"/>
                 </a:solidFill>
+                <a:latin typeface="Assistant SemiBold" panose="00000700000000000000" pitchFamily="2" charset="-79"/>
+                <a:cs typeface="Assistant SemiBold" panose="00000700000000000000" pitchFamily="2" charset="-79"/>
               </a:rPr>
               <a:t>Saviour</a:t>
             </a:r>
             <a:r>
-              <a:rPr lang="en-US" sz="4800" dirty="0">
+              <a:rPr lang="en-US" sz="3200" u="sng" dirty="0">
                 <a:solidFill>
                   <a:schemeClr val="bg1"/>
                 </a:solidFill>
+                <a:latin typeface="Assistant SemiBold" panose="00000700000000000000" pitchFamily="2" charset="-79"/>
+                <a:cs typeface="Assistant SemiBold" panose="00000700000000000000" pitchFamily="2" charset="-79"/>
               </a:rPr>
               <a:t>, I Follow On”</a:t>
             </a:r>
@@ -3596,8 +3656,8 @@
         </p:nvSpPr>
         <p:spPr>
           <a:xfrm>
-            <a:off x="0" y="237302"/>
-            <a:ext cx="12192000" cy="5078313"/>
+            <a:off x="0" y="729571"/>
+            <a:ext cx="12192000" cy="3970318"/>
           </a:xfrm>
           <a:prstGeom prst="rect">
             <a:avLst/>
@@ -3612,18 +3672,22 @@
           <a:p>
             <a:pPr algn="ctr"/>
             <a:r>
-              <a:rPr lang="en-US" sz="3600" dirty="0" err="1">
+              <a:rPr lang="en-US" sz="2800" spc="50" dirty="0" err="1">
                 <a:solidFill>
                   <a:schemeClr val="bg1"/>
                 </a:solidFill>
+                <a:latin typeface="Assistant" panose="00000500000000000000" pitchFamily="2" charset="-79"/>
+                <a:cs typeface="Assistant" panose="00000500000000000000" pitchFamily="2" charset="-79"/>
               </a:rPr>
               <a:t>Saviour</a:t>
             </a:r>
             <a:r>
-              <a:rPr lang="en-US" sz="3600" dirty="0">
+              <a:rPr lang="en-US" sz="2800" spc="50" dirty="0">
                 <a:solidFill>
                   <a:schemeClr val="bg1"/>
                 </a:solidFill>
+                <a:latin typeface="Assistant" panose="00000500000000000000" pitchFamily="2" charset="-79"/>
+                <a:cs typeface="Assistant" panose="00000500000000000000" pitchFamily="2" charset="-79"/>
               </a:rPr>
               <a:t>, I long to walk</a:t>
             </a:r>
@@ -3631,10 +3695,12 @@
           <a:p>
             <a:pPr algn="ctr"/>
             <a:r>
-              <a:rPr lang="en-US" sz="3600" dirty="0">
+              <a:rPr lang="en-US" sz="2800" spc="50" dirty="0">
                 <a:solidFill>
                   <a:schemeClr val="bg1"/>
                 </a:solidFill>
+                <a:latin typeface="Assistant" panose="00000500000000000000" pitchFamily="2" charset="-79"/>
+                <a:cs typeface="Assistant" panose="00000500000000000000" pitchFamily="2" charset="-79"/>
               </a:rPr>
               <a:t>Closer with Thee;</a:t>
             </a:r>
@@ -3642,10 +3708,12 @@
           <a:p>
             <a:pPr algn="ctr"/>
             <a:r>
-              <a:rPr lang="en-US" sz="3600" dirty="0">
+              <a:rPr lang="en-US" sz="2800" spc="50" dirty="0">
                 <a:solidFill>
                   <a:schemeClr val="bg1"/>
                 </a:solidFill>
+                <a:latin typeface="Assistant" panose="00000500000000000000" pitchFamily="2" charset="-79"/>
+                <a:cs typeface="Assistant" panose="00000500000000000000" pitchFamily="2" charset="-79"/>
               </a:rPr>
               <a:t>Led by Thy guiding hand</a:t>
             </a:r>
@@ -3653,29 +3721,35 @@
           <a:p>
             <a:pPr algn="ctr"/>
             <a:r>
-              <a:rPr lang="en-US" sz="3600" dirty="0">
+              <a:rPr lang="en-US" sz="2800" spc="50" dirty="0">
                 <a:solidFill>
                   <a:schemeClr val="bg1"/>
                 </a:solidFill>
+                <a:latin typeface="Assistant" panose="00000500000000000000" pitchFamily="2" charset="-79"/>
+                <a:cs typeface="Assistant" panose="00000500000000000000" pitchFamily="2" charset="-79"/>
               </a:rPr>
               <a:t>Ever to be;</a:t>
             </a:r>
           </a:p>
           <a:p>
             <a:pPr algn="ctr"/>
-            <a:endParaRPr lang="en-US" sz="3600" dirty="0">
+            <a:endParaRPr lang="en-US" sz="2800" spc="50" dirty="0">
               <a:solidFill>
                 <a:schemeClr val="bg1"/>
               </a:solidFill>
+              <a:latin typeface="Assistant" panose="00000500000000000000" pitchFamily="2" charset="-79"/>
+              <a:cs typeface="Assistant" panose="00000500000000000000" pitchFamily="2" charset="-79"/>
             </a:endParaRPr>
           </a:p>
           <a:p>
             <a:pPr algn="ctr"/>
             <a:r>
-              <a:rPr lang="en-US" sz="3600" dirty="0">
+              <a:rPr lang="en-US" sz="2800" spc="50" dirty="0">
                 <a:solidFill>
                   <a:schemeClr val="bg1"/>
                 </a:solidFill>
+                <a:latin typeface="Assistant" panose="00000500000000000000" pitchFamily="2" charset="-79"/>
+                <a:cs typeface="Assistant" panose="00000500000000000000" pitchFamily="2" charset="-79"/>
               </a:rPr>
               <a:t>Constantly near Thy side,</a:t>
             </a:r>
@@ -3683,10 +3757,12 @@
           <a:p>
             <a:pPr algn="ctr"/>
             <a:r>
-              <a:rPr lang="en-US" sz="3600" dirty="0">
+              <a:rPr lang="en-US" sz="2800" spc="50" dirty="0">
                 <a:solidFill>
                   <a:schemeClr val="bg1"/>
                 </a:solidFill>
+                <a:latin typeface="Assistant" panose="00000500000000000000" pitchFamily="2" charset="-79"/>
+                <a:cs typeface="Assistant" panose="00000500000000000000" pitchFamily="2" charset="-79"/>
               </a:rPr>
               <a:t>Quickened and purified,</a:t>
             </a:r>
@@ -3694,10 +3770,12 @@
           <a:p>
             <a:pPr algn="ctr"/>
             <a:r>
-              <a:rPr lang="en-US" sz="3600" dirty="0">
+              <a:rPr lang="en-US" sz="2800" spc="50" dirty="0">
                 <a:solidFill>
                   <a:schemeClr val="bg1"/>
                 </a:solidFill>
+                <a:latin typeface="Assistant" panose="00000500000000000000" pitchFamily="2" charset="-79"/>
+                <a:cs typeface="Assistant" panose="00000500000000000000" pitchFamily="2" charset="-79"/>
               </a:rPr>
               <a:t>Living for Him who died</a:t>
             </a:r>
@@ -3705,10 +3783,12 @@
           <a:p>
             <a:pPr algn="ctr"/>
             <a:r>
-              <a:rPr lang="en-US" sz="3600" dirty="0">
+              <a:rPr lang="en-US" sz="2800" spc="50" dirty="0">
                 <a:solidFill>
                   <a:schemeClr val="bg1"/>
                 </a:solidFill>
+                <a:latin typeface="Assistant" panose="00000500000000000000" pitchFamily="2" charset="-79"/>
+                <a:cs typeface="Assistant" panose="00000500000000000000" pitchFamily="2" charset="-79"/>
               </a:rPr>
               <a:t>Freely for me.</a:t>
             </a:r>
